--- a/PPT/機器人動起來 練習題答案.pptx
+++ b/PPT/機器人動起來 練習題答案.pptx
@@ -219,7 +219,7 @@
           <a:p>
             <a:fld id="{F193C4BA-8DD1-4203-89FE-CCF2348BDE75}" type="datetimeFigureOut">
               <a:rPr lang="zh-TW" altLang="en-US" smtClean="0"/>
-              <a:t>2023/1/9</a:t>
+              <a:t>2023/1/27</a:t>
             </a:fld>
             <a:endParaRPr lang="zh-TW" altLang="en-US"/>
           </a:p>
@@ -25281,7 +25281,7 @@
         </p:nvSpPr>
         <p:spPr>
           <a:xfrm>
-            <a:off x="2761488" y="1944914"/>
+            <a:off x="2761488" y="2581801"/>
             <a:ext cx="7077456" cy="1694398"/>
           </a:xfrm>
         </p:spPr>
@@ -25313,128 +25313,6 @@
               <a:t>Arduino IDE</a:t>
             </a:r>
             <a:endParaRPr lang="zh-TW" altLang="en-US" dirty="0"/>
-          </a:p>
-        </p:txBody>
-      </p:sp>
-      <p:sp>
-        <p:nvSpPr>
-          <p:cNvPr id="3" name="副標題 2">
-            <a:extLst>
-              <a:ext uri="{FF2B5EF4-FFF2-40B4-BE49-F238E27FC236}">
-                <a16:creationId xmlns:a16="http://schemas.microsoft.com/office/drawing/2014/main" id="{1FA116F1-BC3A-440B-8D1C-71D46360F13E}"/>
-              </a:ext>
-            </a:extLst>
-          </p:cNvPr>
-          <p:cNvSpPr>
-            <a:spLocks noGrp="1"/>
-          </p:cNvSpPr>
-          <p:nvPr>
-            <p:ph type="subTitle" idx="1"/>
-          </p:nvPr>
-        </p:nvSpPr>
-        <p:spPr>
-          <a:xfrm>
-            <a:off x="2761488" y="3830464"/>
-            <a:ext cx="8668512" cy="1694399"/>
-          </a:xfrm>
-        </p:spPr>
-        <p:txBody>
-          <a:bodyPr>
-            <a:normAutofit/>
-          </a:bodyPr>
-          <a:lstStyle/>
-          <a:p>
-            <a:r>
-              <a:rPr lang="zh-TW" altLang="en-US" sz="2000" dirty="0"/>
-              <a:t>國立臺灣師範大學電機工程學系</a:t>
-            </a:r>
-            <a:endParaRPr lang="en-US" altLang="zh-TW" sz="2000" dirty="0"/>
-          </a:p>
-          <a:p>
-            <a:r>
-              <a:rPr lang="zh-TW" altLang="en-US" sz="2000" dirty="0">
-                <a:latin typeface="微軟正黑體" panose="020B0604030504040204" pitchFamily="34" charset="-120"/>
-                <a:ea typeface="微軟正黑體" panose="020B0604030504040204" pitchFamily="34" charset="-120"/>
-              </a:rPr>
-              <a:t>地址：台北市大安區和平東路</a:t>
-            </a:r>
-            <a:r>
-              <a:rPr lang="en-US" altLang="zh-TW" sz="2000" dirty="0">
-                <a:latin typeface="微軟正黑體" panose="020B0604030504040204" pitchFamily="34" charset="-120"/>
-                <a:ea typeface="微軟正黑體" panose="020B0604030504040204" pitchFamily="34" charset="-120"/>
-              </a:rPr>
-              <a:t>1</a:t>
-            </a:r>
-            <a:r>
-              <a:rPr lang="zh-TW" altLang="en-US" sz="2000" dirty="0">
-                <a:latin typeface="微軟正黑體" panose="020B0604030504040204" pitchFamily="34" charset="-120"/>
-                <a:ea typeface="微軟正黑體" panose="020B0604030504040204" pitchFamily="34" charset="-120"/>
-              </a:rPr>
-              <a:t>段</a:t>
-            </a:r>
-            <a:r>
-              <a:rPr lang="en-US" altLang="zh-TW" sz="2000" dirty="0">
-                <a:latin typeface="微軟正黑體" panose="020B0604030504040204" pitchFamily="34" charset="-120"/>
-                <a:ea typeface="微軟正黑體" panose="020B0604030504040204" pitchFamily="34" charset="-120"/>
-              </a:rPr>
-              <a:t>162</a:t>
-            </a:r>
-            <a:r>
-              <a:rPr lang="zh-TW" altLang="en-US" sz="2000" dirty="0">
-                <a:latin typeface="微軟正黑體" panose="020B0604030504040204" pitchFamily="34" charset="-120"/>
-                <a:ea typeface="微軟正黑體" panose="020B0604030504040204" pitchFamily="34" charset="-120"/>
-              </a:rPr>
-              <a:t>號 圖書館校區 科技學院</a:t>
-            </a:r>
-            <a:r>
-              <a:rPr lang="en-US" altLang="zh-TW" sz="2000" dirty="0">
-                <a:latin typeface="微軟正黑體" panose="020B0604030504040204" pitchFamily="34" charset="-120"/>
-                <a:ea typeface="微軟正黑體" panose="020B0604030504040204" pitchFamily="34" charset="-120"/>
-              </a:rPr>
-              <a:t>4</a:t>
-            </a:r>
-            <a:r>
-              <a:rPr lang="zh-TW" altLang="en-US" sz="2000" dirty="0">
-                <a:latin typeface="微軟正黑體" panose="020B0604030504040204" pitchFamily="34" charset="-120"/>
-                <a:ea typeface="微軟正黑體" panose="020B0604030504040204" pitchFamily="34" charset="-120"/>
-              </a:rPr>
-              <a:t>樓</a:t>
-            </a:r>
-            <a:endParaRPr lang="en-US" altLang="zh-TW" sz="1000" dirty="0">
-              <a:latin typeface="微軟正黑體" panose="020B0604030504040204" pitchFamily="34" charset="-120"/>
-              <a:ea typeface="微軟正黑體" panose="020B0604030504040204" pitchFamily="34" charset="-120"/>
-            </a:endParaRPr>
-          </a:p>
-          <a:p>
-            <a:r>
-              <a:rPr lang="zh-TW" altLang="en-US" sz="2000" dirty="0">
-                <a:latin typeface="微軟正黑體" panose="020B0604030504040204" pitchFamily="34" charset="-120"/>
-                <a:ea typeface="微軟正黑體" panose="020B0604030504040204" pitchFamily="34" charset="-120"/>
-              </a:rPr>
-              <a:t>電話：</a:t>
-            </a:r>
-            <a:r>
-              <a:rPr lang="en-US" altLang="zh-TW" sz="2000" dirty="0">
-                <a:latin typeface="微軟正黑體" panose="020B0604030504040204" pitchFamily="34" charset="-120"/>
-                <a:ea typeface="微軟正黑體" panose="020B0604030504040204" pitchFamily="34" charset="-120"/>
-              </a:rPr>
-              <a:t>02-77343568	</a:t>
-            </a:r>
-            <a:r>
-              <a:rPr lang="zh-TW" altLang="en-US" sz="2000" dirty="0">
-                <a:latin typeface="微軟正黑體" panose="020B0604030504040204" pitchFamily="34" charset="-120"/>
-                <a:ea typeface="微軟正黑體" panose="020B0604030504040204" pitchFamily="34" charset="-120"/>
-              </a:rPr>
-              <a:t>傳真：</a:t>
-            </a:r>
-            <a:r>
-              <a:rPr lang="en-US" altLang="zh-TW" sz="2000" dirty="0">
-                <a:latin typeface="微軟正黑體" panose="020B0604030504040204" pitchFamily="34" charset="-120"/>
-                <a:ea typeface="微軟正黑體" panose="020B0604030504040204" pitchFamily="34" charset="-120"/>
-              </a:rPr>
-              <a:t>02-23515092</a:t>
-            </a:r>
-            <a:endParaRPr lang="zh-TW" altLang="en-US" sz="2000" dirty="0"/>
           </a:p>
         </p:txBody>
       </p:sp>
